--- a/001_JavaScript/003_lesson/Presentation/Object_methods.pptx
+++ b/001_JavaScript/003_lesson/Presentation/Object_methods.pptx
@@ -116,7 +116,7 @@
   </p:defaultTextStyle>
   <p:extLst>
     <p:ext uri="{EFAFB233-063F-42B5-8137-9DF3F51BA10A}">
-      <p15:sldGuideLst xmlns="" xmlns:p15="http://schemas.microsoft.com/office/powerpoint/2012/main">
+      <p15:sldGuideLst xmlns:p15="http://schemas.microsoft.com/office/powerpoint/2012/main" xmlns="">
         <p15:guide id="1" orient="horz" pos="1620">
           <p15:clr>
             <a:srgbClr val="A4A3A4"/>
@@ -140,7 +140,7 @@
       </p15:sldGuideLst>
     </p:ext>
     <p:ext uri="{2D200454-40CA-4A62-9FC3-DE9A4176ACB9}">
-      <p15:notesGuideLst xmlns="" xmlns:p15="http://schemas.microsoft.com/office/powerpoint/2012/main">
+      <p15:notesGuideLst xmlns:p15="http://schemas.microsoft.com/office/powerpoint/2012/main" xmlns="">
         <p15:guide id="1" orient="horz" pos="2880">
           <p15:clr>
             <a:srgbClr val="A4A3A4"/>
@@ -240,7 +240,7 @@
             <a:fld id="{C1951A84-8083-4F68-A786-57C80B44AB3C}" type="datetimeFigureOut">
               <a:rPr lang="en-US" smtClean="0"/>
               <a:pPr/>
-              <a:t>6/15/2016</a:t>
+              <a:t>7/28/2016</a:t>
             </a:fld>
             <a:endParaRPr lang="en-US"/>
           </a:p>
@@ -316,7 +316,7 @@
     </p:spTree>
     <p:extLst>
       <p:ext uri="{BB962C8B-B14F-4D97-AF65-F5344CB8AC3E}">
-        <p14:creationId xmlns="" xmlns:p14="http://schemas.microsoft.com/office/powerpoint/2010/main" val="171833131"/>
+        <p14:creationId xmlns:p14="http://schemas.microsoft.com/office/powerpoint/2010/main" xmlns="" val="171833131"/>
       </p:ext>
     </p:extLst>
   </p:cSld>
@@ -407,7 +407,7 @@
             <a:fld id="{F938EB94-4B54-4539-BEE7-C3885B42E71C}" type="datetimeFigureOut">
               <a:rPr lang="en-US" smtClean="0"/>
               <a:pPr/>
-              <a:t>6/15/2016</a:t>
+              <a:t>7/28/2016</a:t>
             </a:fld>
             <a:endParaRPr lang="en-US"/>
           </a:p>
@@ -576,7 +576,7 @@
     </p:spTree>
     <p:extLst>
       <p:ext uri="{BB962C8B-B14F-4D97-AF65-F5344CB8AC3E}">
-        <p14:creationId xmlns="" xmlns:p14="http://schemas.microsoft.com/office/powerpoint/2010/main" val="4273275644"/>
+        <p14:creationId xmlns:p14="http://schemas.microsoft.com/office/powerpoint/2010/main" xmlns="" val="4273275644"/>
       </p:ext>
     </p:extLst>
   </p:cSld>
@@ -1183,7 +1183,7 @@
     </p:spTree>
     <p:extLst>
       <p:ext uri="{BB962C8B-B14F-4D97-AF65-F5344CB8AC3E}">
-        <p14:creationId xmlns="" xmlns:p14="http://schemas.microsoft.com/office/powerpoint/2010/main" val="3537187278"/>
+        <p14:creationId xmlns:p14="http://schemas.microsoft.com/office/powerpoint/2010/main" xmlns="" val="3537187278"/>
       </p:ext>
     </p:extLst>
   </p:cSld>
@@ -1229,7 +1229,7 @@
           <a:blip r:embed="rId2" cstate="print">
             <a:extLst>
               <a:ext uri="{28A0092B-C50C-407E-A947-70E740481C1C}">
-                <a14:useLocalDpi xmlns="" xmlns:a14="http://schemas.microsoft.com/office/drawing/2010/main" val="0"/>
+                <a14:useLocalDpi xmlns:a14="http://schemas.microsoft.com/office/drawing/2010/main" xmlns="" val="0"/>
               </a:ext>
             </a:extLst>
           </a:blip>
@@ -1253,14 +1253,14 @@
           <a:effectLst/>
           <a:extLst>
             <a:ext uri="{909E8E84-426E-40DD-AFC4-6F175D3DCCD1}">
-              <a14:hiddenFill xmlns="" xmlns:a14="http://schemas.microsoft.com/office/drawing/2010/main">
+              <a14:hiddenFill xmlns:a14="http://schemas.microsoft.com/office/drawing/2010/main" xmlns="">
                 <a:solidFill>
                   <a:schemeClr val="accent1"/>
                 </a:solidFill>
               </a14:hiddenFill>
             </a:ext>
             <a:ext uri="{91240B29-F687-4F45-9708-019B960494DF}">
-              <a14:hiddenLine xmlns="" xmlns:a14="http://schemas.microsoft.com/office/drawing/2010/main" w="9525">
+              <a14:hiddenLine xmlns:a14="http://schemas.microsoft.com/office/drawing/2010/main" xmlns="" w="9525">
                 <a:solidFill>
                   <a:schemeClr val="tx1"/>
                 </a:solidFill>
@@ -1270,7 +1270,7 @@
               </a14:hiddenLine>
             </a:ext>
             <a:ext uri="{AF507438-7753-43E0-B8FC-AC1667EBCBE1}">
-              <a14:hiddenEffects xmlns="" xmlns:a14="http://schemas.microsoft.com/office/drawing/2010/main">
+              <a14:hiddenEffects xmlns:a14="http://schemas.microsoft.com/office/drawing/2010/main" xmlns="">
                 <a:effectLst>
                   <a:outerShdw dist="35921" dir="2700000" algn="ctr" rotWithShape="0">
                     <a:schemeClr val="bg2"/>
@@ -1411,7 +1411,7 @@
     </p:spTree>
     <p:extLst>
       <p:ext uri="{BB962C8B-B14F-4D97-AF65-F5344CB8AC3E}">
-        <p14:creationId xmlns="" xmlns:p14="http://schemas.microsoft.com/office/powerpoint/2010/main" val="2097366919"/>
+        <p14:creationId xmlns:p14="http://schemas.microsoft.com/office/powerpoint/2010/main" xmlns="" val="2097366919"/>
       </p:ext>
     </p:extLst>
   </p:cSld>
@@ -1486,7 +1486,7 @@
     </p:spTree>
     <p:extLst>
       <p:ext uri="{BB962C8B-B14F-4D97-AF65-F5344CB8AC3E}">
-        <p14:creationId xmlns="" xmlns:p14="http://schemas.microsoft.com/office/powerpoint/2010/main" val="779007194"/>
+        <p14:creationId xmlns:p14="http://schemas.microsoft.com/office/powerpoint/2010/main" xmlns="" val="779007194"/>
       </p:ext>
     </p:extLst>
   </p:cSld>
@@ -1814,7 +1814,9 @@
           <a:lstStyle/>
           <a:p>
             <a:pPr algn="ctr"/>
-            <a:endParaRPr lang="en-US" dirty="0"/>
+            <a:endParaRPr lang="en-US" dirty="0">
+              <a:latin typeface="Calibri" pitchFamily="34" charset="0"/>
+            </a:endParaRPr>
           </a:p>
         </p:txBody>
       </p:sp>
@@ -1845,7 +1847,7 @@
                 <a:solidFill>
                   <a:schemeClr val="bg1"/>
                 </a:solidFill>
-                <a:latin typeface="Roboto Thin" panose="02000000000000000000" pitchFamily="2" charset="0"/>
+                <a:latin typeface="Calibri" pitchFamily="34" charset="0"/>
                 <a:ea typeface="Roboto Thin" panose="02000000000000000000" pitchFamily="2" charset="0"/>
                 <a:cs typeface="Roboto Thin" panose="02000000000000000000" pitchFamily="2" charset="0"/>
               </a:rPr>
@@ -1856,7 +1858,7 @@
                 <a:solidFill>
                   <a:schemeClr val="bg1"/>
                 </a:solidFill>
-                <a:latin typeface="Roboto Thin" panose="02000000000000000000" pitchFamily="2" charset="0"/>
+                <a:latin typeface="Calibri" pitchFamily="34" charset="0"/>
                 <a:ea typeface="Roboto Thin" panose="02000000000000000000" pitchFamily="2" charset="0"/>
                 <a:cs typeface="Roboto Thin" panose="02000000000000000000" pitchFamily="2" charset="0"/>
               </a:rPr>
@@ -1867,7 +1869,7 @@
                 <a:solidFill>
                   <a:schemeClr val="bg1"/>
                 </a:solidFill>
-                <a:latin typeface="Roboto Thin" panose="02000000000000000000" pitchFamily="2" charset="0"/>
+                <a:latin typeface="Calibri" pitchFamily="34" charset="0"/>
                 <a:ea typeface="Roboto Thin" panose="02000000000000000000" pitchFamily="2" charset="0"/>
                 <a:cs typeface="Roboto Thin" panose="02000000000000000000" pitchFamily="2" charset="0"/>
               </a:rPr>
@@ -1877,7 +1879,7 @@
               <a:solidFill>
                 <a:srgbClr val="7564BC"/>
               </a:solidFill>
-              <a:latin typeface="Roboto Thin" panose="02000000000000000000" pitchFamily="2" charset="0"/>
+              <a:latin typeface="Calibri" pitchFamily="34" charset="0"/>
               <a:ea typeface="Roboto Thin" panose="02000000000000000000" pitchFamily="2" charset="0"/>
               <a:cs typeface="Roboto Thin" panose="02000000000000000000" pitchFamily="2" charset="0"/>
             </a:endParaRPr>
@@ -2069,7 +2071,7 @@
                     <a:lumOff val="10000"/>
                   </a:schemeClr>
                 </a:solidFill>
-                <a:latin typeface="Roboto Light" panose="02000000000000000000" pitchFamily="2" charset="0"/>
+                <a:latin typeface="Calibri" pitchFamily="34" charset="0"/>
                 <a:ea typeface="Roboto Light" panose="02000000000000000000" pitchFamily="2" charset="0"/>
                 <a:cs typeface="Roboto Light" panose="02000000000000000000" pitchFamily="2" charset="0"/>
               </a:rPr>
@@ -2082,7 +2084,7 @@
                   <a:lumOff val="10000"/>
                 </a:schemeClr>
               </a:solidFill>
-              <a:latin typeface="Roboto Light" panose="02000000000000000000" pitchFamily="2" charset="0"/>
+              <a:latin typeface="Calibri" pitchFamily="34" charset="0"/>
               <a:ea typeface="Roboto Light" panose="02000000000000000000" pitchFamily="2" charset="0"/>
               <a:cs typeface="Roboto Light" panose="02000000000000000000" pitchFamily="2" charset="0"/>
             </a:endParaRPr>
@@ -2101,7 +2103,7 @@
           <a:blip r:embed="rId2" cstate="print">
             <a:extLst>
               <a:ext uri="{28A0092B-C50C-407E-A947-70E740481C1C}">
-                <a14:useLocalDpi xmlns="" xmlns:a14="http://schemas.microsoft.com/office/drawing/2010/main" val="0"/>
+                <a14:useLocalDpi xmlns:a14="http://schemas.microsoft.com/office/drawing/2010/main" xmlns="" val="0"/>
               </a:ext>
             </a:extLst>
           </a:blip>
@@ -2121,7 +2123,7 @@
           <a:noFill/>
           <a:extLst>
             <a:ext uri="{909E8E84-426E-40DD-AFC4-6F175D3DCCD1}">
-              <a14:hiddenFill xmlns="" xmlns:a14="http://schemas.microsoft.com/office/drawing/2010/main">
+              <a14:hiddenFill xmlns:a14="http://schemas.microsoft.com/office/drawing/2010/main" xmlns="">
                 <a:solidFill>
                   <a:srgbClr val="FFFFFF"/>
                 </a:solidFill>
@@ -2157,20 +2159,22 @@
                 <a:solidFill>
                   <a:srgbClr val="7564BC"/>
                 </a:solidFill>
-                <a:latin typeface="Roboto Black" panose="02000000000000000000" pitchFamily="2" charset="0"/>
+                <a:latin typeface="Calibri" pitchFamily="34" charset="0"/>
                 <a:ea typeface="Roboto Black" panose="02000000000000000000" pitchFamily="2" charset="0"/>
                 <a:cs typeface="Roboto Black" panose="02000000000000000000" pitchFamily="2" charset="0"/>
               </a:rPr>
               <a:t>Методы объекта</a:t>
             </a:r>
-            <a:endParaRPr lang="en-US" dirty="0"/>
+            <a:endParaRPr lang="en-US" dirty="0">
+              <a:latin typeface="Calibri" pitchFamily="34" charset="0"/>
+            </a:endParaRPr>
           </a:p>
         </p:txBody>
       </p:sp>
     </p:spTree>
     <p:extLst>
       <p:ext uri="{BB962C8B-B14F-4D97-AF65-F5344CB8AC3E}">
-        <p14:creationId xmlns="" xmlns:p14="http://schemas.microsoft.com/office/powerpoint/2010/main" val="3436223543"/>
+        <p14:creationId xmlns:p14="http://schemas.microsoft.com/office/powerpoint/2010/main" xmlns="" val="3436223543"/>
       </p:ext>
     </p:extLst>
   </p:cSld>
@@ -2220,10 +2224,20 @@
           <a:lstStyle/>
           <a:p>
             <a:r>
-              <a:rPr lang="ru-RU" dirty="0" smtClean="0"/>
-              <a:t>Методы у объектов</a:t>
-            </a:r>
-            <a:endParaRPr lang="en-US" dirty="0"/>
+              <a:rPr lang="ru-RU" dirty="0" smtClean="0">
+                <a:latin typeface="Calibri" pitchFamily="34" charset="0"/>
+              </a:rPr>
+              <a:t>Методы </a:t>
+            </a:r>
+            <a:r>
+              <a:rPr lang="ru-RU" dirty="0" smtClean="0">
+                <a:latin typeface="Calibri" pitchFamily="34" charset="0"/>
+              </a:rPr>
+              <a:t>объектов</a:t>
+            </a:r>
+            <a:endParaRPr lang="en-US" dirty="0">
+              <a:latin typeface="Calibri" pitchFamily="34" charset="0"/>
+            </a:endParaRPr>
           </a:p>
         </p:txBody>
       </p:sp>
@@ -2236,7 +2250,7 @@
         <p:spPr>
           <a:xfrm>
             <a:off x="731520" y="1108710"/>
-            <a:ext cx="7680960" cy="3416320"/>
+            <a:ext cx="7680960" cy="2031325"/>
           </a:xfrm>
           <a:prstGeom prst="rect">
             <a:avLst/>
@@ -2249,116 +2263,52 @@
           </a:bodyPr>
           <a:lstStyle/>
           <a:p>
-            <a:pPr algn="just"/>
-            <a:r>
-              <a:rPr lang="ru-RU" dirty="0" smtClean="0"/>
+            <a:r>
+              <a:rPr lang="ru-RU" dirty="0" smtClean="0">
+                <a:latin typeface="Calibri" pitchFamily="34" charset="0"/>
+              </a:rPr>
               <a:t>Свойства-функции называют «методами» объектов. Их можно добавлять и удалять в любой момент, в том числе и явным присваиванием. </a:t>
             </a:r>
           </a:p>
           <a:p>
-            <a:pPr algn="just"/>
-            <a:r>
-              <a:rPr lang="en-US" dirty="0" smtClean="0"/>
-              <a:t> 			 </a:t>
-            </a:r>
-            <a:r>
-              <a:rPr lang="ru-RU" dirty="0" smtClean="0"/>
+            <a:endParaRPr lang="ru-RU" dirty="0" smtClean="0">
+              <a:latin typeface="Calibri" pitchFamily="34" charset="0"/>
+            </a:endParaRPr>
+          </a:p>
+          <a:p>
+            <a:r>
+              <a:rPr lang="ru-RU" dirty="0" smtClean="0">
+                <a:latin typeface="Calibri" pitchFamily="34" charset="0"/>
+              </a:rPr>
               <a:t>Например</a:t>
             </a:r>
             <a:r>
-              <a:rPr lang="en-US" dirty="0" smtClean="0"/>
+              <a:rPr lang="en-US" dirty="0" smtClean="0">
+                <a:latin typeface="Calibri" pitchFamily="34" charset="0"/>
+              </a:rPr>
               <a:t>: </a:t>
             </a:r>
           </a:p>
           <a:p>
-            <a:endParaRPr lang="en-US" dirty="0" smtClean="0"/>
-          </a:p>
-          <a:p>
-            <a:r>
-              <a:rPr lang="en-US" dirty="0" err="1" smtClean="0">
-                <a:solidFill>
-                  <a:schemeClr val="accent1">
-                    <a:lumMod val="75000"/>
-                  </a:schemeClr>
-                </a:solidFill>
-              </a:rPr>
-              <a:t>var</a:t>
-            </a:r>
-            <a:r>
-              <a:rPr lang="en-US" dirty="0" smtClean="0">
-                <a:solidFill>
-                  <a:schemeClr val="accent1">
-                    <a:lumMod val="75000"/>
-                  </a:schemeClr>
-                </a:solidFill>
-              </a:rPr>
-              <a:t> </a:t>
-            </a:r>
-            <a:r>
-              <a:rPr lang="en-US" dirty="0" smtClean="0"/>
-              <a:t>user = { </a:t>
-            </a:r>
-          </a:p>
-          <a:p>
-            <a:endParaRPr lang="en-US" dirty="0" smtClean="0"/>
-          </a:p>
-          <a:p>
-            <a:r>
-              <a:rPr lang="en-US" dirty="0" smtClean="0"/>
-              <a:t>name: '</a:t>
-            </a:r>
-            <a:r>
-              <a:rPr lang="uk-UA" dirty="0" err="1" smtClean="0"/>
-              <a:t>Василий'</a:t>
-            </a:r>
-            <a:r>
-              <a:rPr lang="uk-UA" dirty="0" smtClean="0"/>
-              <a:t>, </a:t>
-            </a:r>
-            <a:endParaRPr lang="en-US" dirty="0" smtClean="0"/>
-          </a:p>
-          <a:p>
-            <a:r>
-              <a:rPr lang="en-US" dirty="0" err="1" smtClean="0"/>
-              <a:t>sayHi</a:t>
-            </a:r>
-            <a:r>
-              <a:rPr lang="en-US" dirty="0" smtClean="0"/>
-              <a:t>: function() { alert( '</a:t>
-            </a:r>
-            <a:r>
-              <a:rPr lang="uk-UA" dirty="0" err="1" smtClean="0"/>
-              <a:t>Привет</a:t>
-            </a:r>
-            <a:r>
-              <a:rPr lang="uk-UA" dirty="0" smtClean="0"/>
-              <a:t>!' ); } </a:t>
-            </a:r>
-            <a:endParaRPr lang="en-US" dirty="0" smtClean="0"/>
-          </a:p>
-          <a:p>
-            <a:r>
-              <a:rPr lang="en-US" dirty="0" smtClean="0"/>
-              <a:t>}</a:t>
-            </a:r>
-          </a:p>
-          <a:p>
-            <a:r>
-              <a:rPr lang="en-US" dirty="0" err="1" smtClean="0"/>
-              <a:t>user.sayHi</a:t>
-            </a:r>
-            <a:r>
-              <a:rPr lang="en-US" dirty="0" smtClean="0"/>
-              <a:t>();</a:t>
-            </a:r>
-            <a:r>
-              <a:rPr lang="uk-UA" dirty="0" smtClean="0"/>
+            <a:endParaRPr lang="en-US" dirty="0" smtClean="0">
+              <a:latin typeface="Calibri" pitchFamily="34" charset="0"/>
+            </a:endParaRPr>
+          </a:p>
+          <a:p>
+            <a:r>
+              <a:rPr lang="uk-UA" dirty="0" smtClean="0">
+                <a:latin typeface="Calibri" pitchFamily="34" charset="0"/>
+              </a:rPr>
               <a:t/>
             </a:r>
             <a:br>
-              <a:rPr lang="uk-UA" dirty="0" smtClean="0"/>
+              <a:rPr lang="uk-UA" dirty="0" smtClean="0">
+                <a:latin typeface="Calibri" pitchFamily="34" charset="0"/>
+              </a:rPr>
             </a:br>
-            <a:endParaRPr lang="en-US" dirty="0"/>
+            <a:endParaRPr lang="en-US" dirty="0">
+              <a:latin typeface="Calibri" pitchFamily="34" charset="0"/>
+            </a:endParaRPr>
           </a:p>
         </p:txBody>
       </p:sp>
@@ -2376,8 +2326,21 @@
           <a:prstGeom prst="rect">
             <a:avLst/>
           </a:prstGeom>
-          <a:noFill/>
         </p:spPr>
+        <p:style>
+          <a:lnRef idx="2">
+            <a:schemeClr val="accent2"/>
+          </a:lnRef>
+          <a:fillRef idx="1">
+            <a:schemeClr val="lt1"/>
+          </a:fillRef>
+          <a:effectRef idx="0">
+            <a:schemeClr val="accent2"/>
+          </a:effectRef>
+          <a:fontRef idx="minor">
+            <a:schemeClr val="dk1"/>
+          </a:fontRef>
+        </p:style>
         <p:txBody>
           <a:bodyPr wrap="square" rtlCol="0">
             <a:spAutoFit/>
@@ -2391,77 +2354,258 @@
                     <a:lumMod val="75000"/>
                   </a:schemeClr>
                 </a:solidFill>
+                <a:latin typeface="Calibri" pitchFamily="34" charset="0"/>
               </a:rPr>
               <a:t>var</a:t>
             </a:r>
             <a:r>
-              <a:rPr lang="en-US" dirty="0" smtClean="0"/>
+              <a:rPr lang="en-US" dirty="0" smtClean="0">
+                <a:latin typeface="Calibri" pitchFamily="34" charset="0"/>
+              </a:rPr>
               <a:t> user = { name: '</a:t>
             </a:r>
             <a:r>
-              <a:rPr lang="uk-UA" dirty="0" err="1" smtClean="0"/>
+              <a:rPr lang="uk-UA" dirty="0" err="1" smtClean="0">
+                <a:latin typeface="Calibri" pitchFamily="34" charset="0"/>
+              </a:rPr>
               <a:t>Василий'</a:t>
             </a:r>
             <a:r>
-              <a:rPr lang="uk-UA" dirty="0" smtClean="0"/>
+              <a:rPr lang="uk-UA" dirty="0" smtClean="0">
+                <a:latin typeface="Calibri" pitchFamily="34" charset="0"/>
+              </a:rPr>
               <a:t> };</a:t>
             </a:r>
-            <a:endParaRPr lang="en-US" dirty="0" smtClean="0"/>
-          </a:p>
-          <a:p>
-            <a:endParaRPr lang="en-US" dirty="0" smtClean="0"/>
-          </a:p>
-          <a:p>
-            <a:r>
-              <a:rPr lang="en-US" dirty="0" err="1" smtClean="0"/>
+            <a:endParaRPr lang="en-US" dirty="0" smtClean="0">
+              <a:latin typeface="Calibri" pitchFamily="34" charset="0"/>
+            </a:endParaRPr>
+          </a:p>
+          <a:p>
+            <a:endParaRPr lang="en-US" dirty="0" smtClean="0">
+              <a:latin typeface="Calibri" pitchFamily="34" charset="0"/>
+            </a:endParaRPr>
+          </a:p>
+          <a:p>
+            <a:r>
+              <a:rPr lang="en-US" dirty="0" err="1" smtClean="0">
+                <a:latin typeface="Calibri" pitchFamily="34" charset="0"/>
+              </a:rPr>
               <a:t>user.sayHi</a:t>
             </a:r>
             <a:r>
-              <a:rPr lang="en-US" dirty="0" smtClean="0"/>
+              <a:rPr lang="en-US" dirty="0" smtClean="0">
+                <a:latin typeface="Calibri" pitchFamily="34" charset="0"/>
+              </a:rPr>
               <a:t> = function() {</a:t>
             </a:r>
             <a:r>
-              <a:rPr lang="uk-UA" dirty="0" smtClean="0"/>
+              <a:rPr lang="uk-UA" dirty="0" smtClean="0">
+                <a:latin typeface="Calibri" pitchFamily="34" charset="0"/>
+              </a:rPr>
               <a:t> </a:t>
             </a:r>
             <a:r>
-              <a:rPr lang="en-US" dirty="0" smtClean="0"/>
+              <a:rPr lang="en-US" dirty="0" smtClean="0">
+                <a:latin typeface="Calibri" pitchFamily="34" charset="0"/>
+              </a:rPr>
               <a:t>alert('</a:t>
             </a:r>
             <a:r>
-              <a:rPr lang="uk-UA" dirty="0" err="1" smtClean="0"/>
+              <a:rPr lang="uk-UA" dirty="0" err="1" smtClean="0">
+                <a:latin typeface="Calibri" pitchFamily="34" charset="0"/>
+              </a:rPr>
               <a:t>Привет</a:t>
             </a:r>
             <a:r>
-              <a:rPr lang="uk-UA" dirty="0" smtClean="0"/>
+              <a:rPr lang="uk-UA" dirty="0" smtClean="0">
+                <a:latin typeface="Calibri" pitchFamily="34" charset="0"/>
+              </a:rPr>
               <a:t>!'); }; </a:t>
             </a:r>
-            <a:endParaRPr lang="en-US" dirty="0" smtClean="0"/>
-          </a:p>
-          <a:p>
-            <a:endParaRPr lang="en-US" dirty="0" smtClean="0"/>
-          </a:p>
-          <a:p>
-            <a:r>
-              <a:rPr lang="uk-UA" dirty="0" smtClean="0"/>
+            <a:endParaRPr lang="en-US" dirty="0" smtClean="0">
+              <a:latin typeface="Calibri" pitchFamily="34" charset="0"/>
+            </a:endParaRPr>
+          </a:p>
+          <a:p>
+            <a:endParaRPr lang="en-US" dirty="0" smtClean="0">
+              <a:latin typeface="Calibri" pitchFamily="34" charset="0"/>
+            </a:endParaRPr>
+          </a:p>
+          <a:p>
+            <a:r>
+              <a:rPr lang="uk-UA" dirty="0" smtClean="0">
+                <a:latin typeface="Calibri" pitchFamily="34" charset="0"/>
+              </a:rPr>
               <a:t> </a:t>
             </a:r>
             <a:r>
-              <a:rPr lang="en-US" dirty="0" err="1" smtClean="0"/>
+              <a:rPr lang="en-US" dirty="0" err="1" smtClean="0">
+                <a:latin typeface="Calibri" pitchFamily="34" charset="0"/>
+              </a:rPr>
               <a:t>user.sayHi</a:t>
             </a:r>
             <a:r>
-              <a:rPr lang="en-US" dirty="0" smtClean="0"/>
+              <a:rPr lang="en-US" dirty="0" smtClean="0">
+                <a:latin typeface="Calibri" pitchFamily="34" charset="0"/>
+              </a:rPr>
               <a:t>();</a:t>
             </a:r>
-            <a:endParaRPr lang="en-US" dirty="0"/>
+            <a:endParaRPr lang="en-US" dirty="0">
+              <a:latin typeface="Calibri" pitchFamily="34" charset="0"/>
+            </a:endParaRPr>
+          </a:p>
+        </p:txBody>
+      </p:sp>
+      <p:sp>
+        <p:nvSpPr>
+          <p:cNvPr id="6" name="TextBox 5"/>
+          <p:cNvSpPr txBox="1"/>
+          <p:nvPr/>
+        </p:nvSpPr>
+        <p:spPr>
+          <a:xfrm>
+            <a:off x="731520" y="2388870"/>
+            <a:ext cx="4206240" cy="1754326"/>
+          </a:xfrm>
+          <a:prstGeom prst="rect">
+            <a:avLst/>
+          </a:prstGeom>
+        </p:spPr>
+        <p:style>
+          <a:lnRef idx="2">
+            <a:schemeClr val="accent2"/>
+          </a:lnRef>
+          <a:fillRef idx="1">
+            <a:schemeClr val="lt1"/>
+          </a:fillRef>
+          <a:effectRef idx="0">
+            <a:schemeClr val="accent2"/>
+          </a:effectRef>
+          <a:fontRef idx="minor">
+            <a:schemeClr val="dk1"/>
+          </a:fontRef>
+        </p:style>
+        <p:txBody>
+          <a:bodyPr wrap="square" rtlCol="0">
+            <a:spAutoFit/>
+          </a:bodyPr>
+          <a:lstStyle/>
+          <a:p>
+            <a:r>
+              <a:rPr lang="en-US" dirty="0" err="1" smtClean="0">
+                <a:solidFill>
+                  <a:schemeClr val="accent1">
+                    <a:lumMod val="75000"/>
+                  </a:schemeClr>
+                </a:solidFill>
+                <a:latin typeface="Calibri" pitchFamily="34" charset="0"/>
+              </a:rPr>
+              <a:t>var</a:t>
+            </a:r>
+            <a:r>
+              <a:rPr lang="en-US" dirty="0" smtClean="0">
+                <a:solidFill>
+                  <a:schemeClr val="accent1">
+                    <a:lumMod val="75000"/>
+                  </a:schemeClr>
+                </a:solidFill>
+                <a:latin typeface="Calibri" pitchFamily="34" charset="0"/>
+              </a:rPr>
+              <a:t> </a:t>
+            </a:r>
+            <a:r>
+              <a:rPr lang="en-US" dirty="0" smtClean="0">
+                <a:latin typeface="Calibri" pitchFamily="34" charset="0"/>
+              </a:rPr>
+              <a:t>user = { </a:t>
+            </a:r>
+          </a:p>
+          <a:p>
+            <a:endParaRPr lang="en-US" dirty="0" smtClean="0">
+              <a:latin typeface="Calibri" pitchFamily="34" charset="0"/>
+            </a:endParaRPr>
+          </a:p>
+          <a:p>
+            <a:r>
+              <a:rPr lang="en-US" dirty="0" smtClean="0">
+                <a:latin typeface="Calibri" pitchFamily="34" charset="0"/>
+              </a:rPr>
+              <a:t>name: '</a:t>
+            </a:r>
+            <a:r>
+              <a:rPr lang="uk-UA" dirty="0" err="1" smtClean="0">
+                <a:latin typeface="Calibri" pitchFamily="34" charset="0"/>
+              </a:rPr>
+              <a:t>Василий'</a:t>
+            </a:r>
+            <a:r>
+              <a:rPr lang="uk-UA" dirty="0" smtClean="0">
+                <a:latin typeface="Calibri" pitchFamily="34" charset="0"/>
+              </a:rPr>
+              <a:t>, </a:t>
+            </a:r>
+            <a:endParaRPr lang="en-US" dirty="0" smtClean="0">
+              <a:latin typeface="Calibri" pitchFamily="34" charset="0"/>
+            </a:endParaRPr>
+          </a:p>
+          <a:p>
+            <a:r>
+              <a:rPr lang="en-US" dirty="0" err="1" smtClean="0">
+                <a:latin typeface="Calibri" pitchFamily="34" charset="0"/>
+              </a:rPr>
+              <a:t>sayHi</a:t>
+            </a:r>
+            <a:r>
+              <a:rPr lang="en-US" dirty="0" smtClean="0">
+                <a:latin typeface="Calibri" pitchFamily="34" charset="0"/>
+              </a:rPr>
+              <a:t>: function() { alert( '</a:t>
+            </a:r>
+            <a:r>
+              <a:rPr lang="uk-UA" dirty="0" err="1" smtClean="0">
+                <a:latin typeface="Calibri" pitchFamily="34" charset="0"/>
+              </a:rPr>
+              <a:t>Привет</a:t>
+            </a:r>
+            <a:r>
+              <a:rPr lang="uk-UA" dirty="0" smtClean="0">
+                <a:latin typeface="Calibri" pitchFamily="34" charset="0"/>
+              </a:rPr>
+              <a:t>!' ); } </a:t>
+            </a:r>
+            <a:endParaRPr lang="en-US" dirty="0" smtClean="0">
+              <a:latin typeface="Calibri" pitchFamily="34" charset="0"/>
+            </a:endParaRPr>
+          </a:p>
+          <a:p>
+            <a:r>
+              <a:rPr lang="en-US" dirty="0" smtClean="0">
+                <a:latin typeface="Calibri" pitchFamily="34" charset="0"/>
+              </a:rPr>
+              <a:t>}</a:t>
+            </a:r>
+          </a:p>
+          <a:p>
+            <a:r>
+              <a:rPr lang="en-US" dirty="0" err="1" smtClean="0">
+                <a:latin typeface="Calibri" pitchFamily="34" charset="0"/>
+              </a:rPr>
+              <a:t>user.sayHi</a:t>
+            </a:r>
+            <a:r>
+              <a:rPr lang="en-US" dirty="0" smtClean="0">
+                <a:latin typeface="Calibri" pitchFamily="34" charset="0"/>
+              </a:rPr>
+              <a:t>();</a:t>
+            </a:r>
+            <a:endParaRPr lang="uk-UA" dirty="0"/>
           </a:p>
         </p:txBody>
       </p:sp>
     </p:spTree>
     <p:extLst>
       <p:ext uri="{BB962C8B-B14F-4D97-AF65-F5344CB8AC3E}">
-        <p14:creationId xmlns="" xmlns:p14="http://schemas.microsoft.com/office/powerpoint/2010/main" val="9290874"/>
+        <p14:creationId xmlns:p14="http://schemas.microsoft.com/office/powerpoint/2010/main" xmlns="" val="9290874"/>
       </p:ext>
     </p:extLst>
   </p:cSld>
@@ -2507,7 +2651,7 @@
         </p:nvSpPr>
         <p:spPr>
           <a:xfrm>
-            <a:off x="457200" y="209550"/>
+            <a:off x="457200" y="0"/>
             <a:ext cx="8229600" cy="899160"/>
           </a:xfrm>
         </p:spPr>
@@ -2516,10 +2660,14 @@
           <a:lstStyle/>
           <a:p>
             <a:r>
-              <a:rPr lang="en-US" sz="5400" dirty="0" smtClean="0"/>
+              <a:rPr lang="en-US" dirty="0" smtClean="0">
+                <a:latin typeface="Calibri" pitchFamily="34" charset="0"/>
+              </a:rPr>
               <a:t>this</a:t>
             </a:r>
-            <a:endParaRPr lang="en-US" sz="5400" dirty="0"/>
+            <a:endParaRPr lang="en-US" dirty="0">
+              <a:latin typeface="Calibri" pitchFamily="34" charset="0"/>
+            </a:endParaRPr>
           </a:p>
         </p:txBody>
       </p:sp>
@@ -2532,7 +2680,7 @@
         <p:spPr>
           <a:xfrm>
             <a:off x="457200" y="1291590"/>
-            <a:ext cx="8229600" cy="3139321"/>
+            <a:ext cx="8229600" cy="2862322"/>
           </a:xfrm>
           <a:prstGeom prst="rect">
             <a:avLst/>
@@ -2546,91 +2694,141 @@
           <a:lstStyle/>
           <a:p>
             <a:r>
-              <a:rPr lang="ru-RU" dirty="0" smtClean="0"/>
+              <a:rPr lang="ru-RU" dirty="0" smtClean="0">
+                <a:latin typeface="Calibri" pitchFamily="34" charset="0"/>
+              </a:rPr>
               <a:t>Для доступа к текущему объекту из метода используется ключевое слово </a:t>
             </a:r>
             <a:r>
-              <a:rPr lang="ru-RU" dirty="0" err="1" smtClean="0"/>
+              <a:rPr lang="ru-RU" b="1" dirty="0" err="1" smtClean="0">
+                <a:latin typeface="Calibri" pitchFamily="34" charset="0"/>
+              </a:rPr>
               <a:t>this</a:t>
             </a:r>
             <a:r>
-              <a:rPr lang="ru-RU" dirty="0" smtClean="0"/>
+              <a:rPr lang="ru-RU" dirty="0" smtClean="0">
+                <a:latin typeface="Calibri" pitchFamily="34" charset="0"/>
+              </a:rPr>
               <a:t>.</a:t>
             </a:r>
             <a:r>
-              <a:rPr lang="en-US" dirty="0" smtClean="0"/>
+              <a:rPr lang="en-US" dirty="0" smtClean="0">
+                <a:latin typeface="Calibri" pitchFamily="34" charset="0"/>
+              </a:rPr>
               <a:t> </a:t>
             </a:r>
           </a:p>
           <a:p>
-            <a:endParaRPr lang="en-US" dirty="0" smtClean="0"/>
-          </a:p>
-          <a:p>
-            <a:r>
-              <a:rPr lang="ru-RU" dirty="0" smtClean="0"/>
+            <a:endParaRPr lang="en-US" dirty="0" smtClean="0">
+              <a:latin typeface="Calibri" pitchFamily="34" charset="0"/>
+            </a:endParaRPr>
+          </a:p>
+          <a:p>
+            <a:r>
+              <a:rPr lang="ru-RU" dirty="0" smtClean="0">
+                <a:latin typeface="Calibri" pitchFamily="34" charset="0"/>
+              </a:rPr>
               <a:t>Любая функция может иметь в себе </a:t>
             </a:r>
             <a:r>
-              <a:rPr lang="ru-RU" dirty="0" err="1" smtClean="0"/>
+              <a:rPr lang="ru-RU" dirty="0" err="1" smtClean="0">
+                <a:latin typeface="Calibri" pitchFamily="34" charset="0"/>
+              </a:rPr>
               <a:t>this</a:t>
             </a:r>
             <a:r>
-              <a:rPr lang="ru-RU" dirty="0" smtClean="0"/>
+              <a:rPr lang="ru-RU" dirty="0" smtClean="0">
+                <a:latin typeface="Calibri" pitchFamily="34" charset="0"/>
+              </a:rPr>
               <a:t>. Совершенно неважно, объявлена ли она в объекте или отдельно от него.</a:t>
             </a:r>
           </a:p>
           <a:p>
             <a:r>
-              <a:rPr lang="ru-RU" dirty="0" smtClean="0"/>
+              <a:rPr lang="ru-RU" dirty="0" smtClean="0">
+                <a:latin typeface="Calibri" pitchFamily="34" charset="0"/>
+              </a:rPr>
               <a:t>Значение </a:t>
             </a:r>
             <a:r>
-              <a:rPr lang="ru-RU" dirty="0" err="1" smtClean="0"/>
+              <a:rPr lang="ru-RU" dirty="0" err="1" smtClean="0">
+                <a:latin typeface="Calibri" pitchFamily="34" charset="0"/>
+              </a:rPr>
               <a:t>this</a:t>
             </a:r>
             <a:r>
-              <a:rPr lang="ru-RU" dirty="0" smtClean="0"/>
+              <a:rPr lang="ru-RU" dirty="0" smtClean="0">
+                <a:latin typeface="Calibri" pitchFamily="34" charset="0"/>
+              </a:rPr>
               <a:t> называется </a:t>
             </a:r>
             <a:r>
-              <a:rPr lang="ru-RU" i="1" dirty="0" smtClean="0"/>
+              <a:rPr lang="ru-RU" i="1" dirty="0" smtClean="0">
+                <a:latin typeface="Calibri" pitchFamily="34" charset="0"/>
+              </a:rPr>
               <a:t>контекстом вызова</a:t>
             </a:r>
             <a:r>
-              <a:rPr lang="ru-RU" dirty="0" smtClean="0"/>
+              <a:rPr lang="ru-RU" dirty="0" smtClean="0">
+                <a:latin typeface="Calibri" pitchFamily="34" charset="0"/>
+              </a:rPr>
               <a:t> и будет определено в момент вызова функции.</a:t>
             </a:r>
             <a:r>
-              <a:rPr lang="en-US" dirty="0" smtClean="0"/>
+              <a:rPr lang="en-US" dirty="0" smtClean="0">
+                <a:latin typeface="Calibri" pitchFamily="34" charset="0"/>
+              </a:rPr>
               <a:t> </a:t>
             </a:r>
           </a:p>
           <a:p>
-            <a:endParaRPr lang="en-US" dirty="0" smtClean="0"/>
-          </a:p>
-          <a:p>
-            <a:r>
-              <a:rPr lang="ru-RU" dirty="0" smtClean="0"/>
+            <a:endParaRPr lang="en-US" dirty="0" smtClean="0">
+              <a:latin typeface="Calibri" pitchFamily="34" charset="0"/>
+            </a:endParaRPr>
+          </a:p>
+          <a:p>
+            <a:r>
+              <a:rPr lang="ru-RU" dirty="0" smtClean="0">
+                <a:latin typeface="Calibri" pitchFamily="34" charset="0"/>
+              </a:rPr>
               <a:t>Контекст </a:t>
             </a:r>
             <a:r>
-              <a:rPr lang="ru-RU" dirty="0" err="1" smtClean="0"/>
+              <a:rPr lang="ru-RU" dirty="0" err="1" smtClean="0">
+                <a:latin typeface="Calibri" pitchFamily="34" charset="0"/>
+              </a:rPr>
               <a:t>this</a:t>
             </a:r>
             <a:r>
-              <a:rPr lang="ru-RU" dirty="0" smtClean="0"/>
-              <a:t> никак не привязан к функции, даже если она создана в объявлении объекта.</a:t>
-            </a:r>
-          </a:p>
-          <a:p>
-            <a:endParaRPr lang="en-US" dirty="0"/>
+              <a:rPr lang="ru-RU" dirty="0" smtClean="0">
+                <a:latin typeface="Calibri" pitchFamily="34" charset="0"/>
+              </a:rPr>
+              <a:t> никак не привязан к функции, даже если она создана </a:t>
+            </a:r>
+            <a:r>
+              <a:rPr lang="ru-RU" dirty="0" smtClean="0">
+                <a:latin typeface="Calibri" pitchFamily="34" charset="0"/>
+              </a:rPr>
+              <a:t>при </a:t>
+            </a:r>
+            <a:r>
+              <a:rPr lang="ru-RU" dirty="0" smtClean="0">
+                <a:latin typeface="Calibri" pitchFamily="34" charset="0"/>
+              </a:rPr>
+              <a:t>объявлении объекта.</a:t>
+            </a:r>
+          </a:p>
+          <a:p>
+            <a:endParaRPr lang="en-US" dirty="0">
+              <a:latin typeface="Calibri" pitchFamily="34" charset="0"/>
+            </a:endParaRPr>
           </a:p>
         </p:txBody>
       </p:sp>
     </p:spTree>
     <p:extLst>
       <p:ext uri="{BB962C8B-B14F-4D97-AF65-F5344CB8AC3E}">
-        <p14:creationId xmlns="" xmlns:p14="http://schemas.microsoft.com/office/powerpoint/2010/main" val="4126915530"/>
+        <p14:creationId xmlns:p14="http://schemas.microsoft.com/office/powerpoint/2010/main" xmlns="" val="4126915530"/>
       </p:ext>
     </p:extLst>
   </p:cSld>
@@ -2685,10 +2883,14 @@
           <a:lstStyle/>
           <a:p>
             <a:r>
-              <a:rPr lang="ru-RU" dirty="0" smtClean="0"/>
+              <a:rPr lang="ru-RU" dirty="0" smtClean="0">
+                <a:latin typeface="Calibri" pitchFamily="34" charset="0"/>
+              </a:rPr>
               <a:t>Функция-конструктор</a:t>
             </a:r>
-            <a:endParaRPr lang="en-US" dirty="0"/>
+            <a:endParaRPr lang="en-US" dirty="0">
+              <a:latin typeface="Calibri" pitchFamily="34" charset="0"/>
+            </a:endParaRPr>
           </a:p>
         </p:txBody>
       </p:sp>
@@ -2715,43 +2917,61 @@
           <a:lstStyle/>
           <a:p>
             <a:r>
-              <a:rPr lang="ru-RU" dirty="0" smtClean="0"/>
+              <a:rPr lang="ru-RU" dirty="0" smtClean="0">
+                <a:latin typeface="Calibri" pitchFamily="34" charset="0"/>
+              </a:rPr>
               <a:t>Функция-конструктор - любая функция, вызванная через </a:t>
             </a:r>
             <a:r>
-              <a:rPr lang="ru-RU" dirty="0" err="1" smtClean="0"/>
+              <a:rPr lang="ru-RU" dirty="0" err="1" smtClean="0">
+                <a:latin typeface="Calibri" pitchFamily="34" charset="0"/>
+              </a:rPr>
               <a:t>new</a:t>
             </a:r>
             <a:r>
-              <a:rPr lang="ru-RU" dirty="0" smtClean="0"/>
+              <a:rPr lang="ru-RU" dirty="0" smtClean="0">
+                <a:latin typeface="Calibri" pitchFamily="34" charset="0"/>
+              </a:rPr>
               <a:t>. Технически, любая функция может быть использована как конструктор. </a:t>
             </a:r>
           </a:p>
           <a:p>
-            <a:endParaRPr lang="ru-RU" dirty="0" smtClean="0"/>
-          </a:p>
-          <a:p>
-            <a:r>
-              <a:rPr lang="ru-RU" dirty="0" smtClean="0"/>
+            <a:endParaRPr lang="ru-RU" dirty="0" smtClean="0">
+              <a:latin typeface="Calibri" pitchFamily="34" charset="0"/>
+            </a:endParaRPr>
+          </a:p>
+          <a:p>
+            <a:r>
+              <a:rPr lang="ru-RU" dirty="0" smtClean="0">
+                <a:latin typeface="Calibri" pitchFamily="34" charset="0"/>
+              </a:rPr>
               <a:t>Детальнее – функция, запущенная через </a:t>
             </a:r>
             <a:r>
-              <a:rPr lang="ru-RU" dirty="0" err="1" smtClean="0"/>
+              <a:rPr lang="ru-RU" dirty="0" err="1" smtClean="0">
+                <a:latin typeface="Calibri" pitchFamily="34" charset="0"/>
+              </a:rPr>
               <a:t>new</a:t>
             </a:r>
             <a:r>
-              <a:rPr lang="ru-RU" dirty="0" smtClean="0"/>
+              <a:rPr lang="ru-RU" dirty="0" smtClean="0">
+                <a:latin typeface="Calibri" pitchFamily="34" charset="0"/>
+              </a:rPr>
               <a:t>, делает следующее:</a:t>
             </a:r>
           </a:p>
           <a:p>
             <a:r>
-              <a:rPr lang="ru-RU" dirty="0" smtClean="0"/>
+              <a:rPr lang="ru-RU" dirty="0" smtClean="0">
+                <a:latin typeface="Calibri" pitchFamily="34" charset="0"/>
+              </a:rPr>
               <a:t>Создаётся новый пустой объект.</a:t>
             </a:r>
           </a:p>
           <a:p>
-            <a:endParaRPr lang="ru-RU" dirty="0" smtClean="0"/>
+            <a:endParaRPr lang="ru-RU" dirty="0" smtClean="0">
+              <a:latin typeface="Calibri" pitchFamily="34" charset="0"/>
+            </a:endParaRPr>
           </a:p>
           <a:p>
             <a:pPr marL="342900" indent="-342900">
@@ -2759,15 +2979,21 @@
               <a:buChar char="§"/>
             </a:pPr>
             <a:r>
-              <a:rPr lang="ru-RU" dirty="0" smtClean="0"/>
+              <a:rPr lang="ru-RU" dirty="0" smtClean="0">
+                <a:latin typeface="Calibri" pitchFamily="34" charset="0"/>
+              </a:rPr>
               <a:t>Ключевое слово </a:t>
             </a:r>
             <a:r>
-              <a:rPr lang="ru-RU" dirty="0" err="1" smtClean="0"/>
+              <a:rPr lang="ru-RU" dirty="0" err="1" smtClean="0">
+                <a:latin typeface="Calibri" pitchFamily="34" charset="0"/>
+              </a:rPr>
               <a:t>this</a:t>
             </a:r>
             <a:r>
-              <a:rPr lang="ru-RU" dirty="0" smtClean="0"/>
+              <a:rPr lang="ru-RU" dirty="0" smtClean="0">
+                <a:latin typeface="Calibri" pitchFamily="34" charset="0"/>
+              </a:rPr>
               <a:t> получает ссылку на этот объект.</a:t>
             </a:r>
           </a:p>
@@ -2777,15 +3003,21 @@
               <a:buChar char="§"/>
             </a:pPr>
             <a:r>
-              <a:rPr lang="ru-RU" dirty="0" smtClean="0"/>
+              <a:rPr lang="ru-RU" dirty="0" smtClean="0">
+                <a:latin typeface="Calibri" pitchFamily="34" charset="0"/>
+              </a:rPr>
               <a:t>Функция выполняется. Как правило, она модифицирует </a:t>
             </a:r>
             <a:r>
-              <a:rPr lang="ru-RU" dirty="0" err="1" smtClean="0"/>
+              <a:rPr lang="ru-RU" dirty="0" err="1" smtClean="0">
+                <a:latin typeface="Calibri" pitchFamily="34" charset="0"/>
+              </a:rPr>
               <a:t>this</a:t>
             </a:r>
             <a:r>
-              <a:rPr lang="ru-RU" dirty="0" smtClean="0"/>
+              <a:rPr lang="ru-RU" dirty="0" smtClean="0">
+                <a:latin typeface="Calibri" pitchFamily="34" charset="0"/>
+              </a:rPr>
               <a:t>, добавляет методы, свойства.</a:t>
             </a:r>
           </a:p>
@@ -2795,31 +3027,41 @@
               <a:buChar char="§"/>
             </a:pPr>
             <a:r>
-              <a:rPr lang="ru-RU" dirty="0" smtClean="0"/>
+              <a:rPr lang="ru-RU" dirty="0" smtClean="0">
+                <a:latin typeface="Calibri" pitchFamily="34" charset="0"/>
+              </a:rPr>
               <a:t>Возвращается </a:t>
             </a:r>
             <a:r>
-              <a:rPr lang="ru-RU" dirty="0" err="1" smtClean="0"/>
+              <a:rPr lang="ru-RU" dirty="0" err="1" smtClean="0">
+                <a:latin typeface="Calibri" pitchFamily="34" charset="0"/>
+              </a:rPr>
               <a:t>this</a:t>
             </a:r>
             <a:r>
-              <a:rPr lang="ru-RU" dirty="0" smtClean="0"/>
+              <a:rPr lang="ru-RU" dirty="0" smtClean="0">
+                <a:latin typeface="Calibri" pitchFamily="34" charset="0"/>
+              </a:rPr>
               <a:t>.</a:t>
             </a:r>
           </a:p>
           <a:p>
             <a:r>
-              <a:rPr lang="ru-RU" dirty="0" smtClean="0"/>
+              <a:rPr lang="ru-RU" dirty="0" smtClean="0">
+                <a:latin typeface="Calibri" pitchFamily="34" charset="0"/>
+              </a:rPr>
               <a:t> </a:t>
             </a:r>
-            <a:endParaRPr lang="en-US" dirty="0"/>
+            <a:endParaRPr lang="en-US" dirty="0">
+              <a:latin typeface="Calibri" pitchFamily="34" charset="0"/>
+            </a:endParaRPr>
           </a:p>
         </p:txBody>
       </p:sp>
     </p:spTree>
     <p:extLst>
       <p:ext uri="{BB962C8B-B14F-4D97-AF65-F5344CB8AC3E}">
-        <p14:creationId xmlns="" xmlns:p14="http://schemas.microsoft.com/office/powerpoint/2010/main" val="2015409003"/>
+        <p14:creationId xmlns:p14="http://schemas.microsoft.com/office/powerpoint/2010/main" xmlns="" val="2015409003"/>
       </p:ext>
     </p:extLst>
   </p:cSld>
@@ -2869,10 +3111,14 @@
           <a:lstStyle/>
           <a:p>
             <a:r>
-              <a:rPr lang="ru-RU" dirty="0" smtClean="0"/>
+              <a:rPr lang="ru-RU" dirty="0" smtClean="0">
+                <a:latin typeface="Calibri" pitchFamily="34" charset="0"/>
+              </a:rPr>
               <a:t>Статические и фабричные методы объекта</a:t>
             </a:r>
-            <a:endParaRPr lang="en-US" dirty="0"/>
+            <a:endParaRPr lang="en-US" dirty="0">
+              <a:latin typeface="Calibri" pitchFamily="34" charset="0"/>
+            </a:endParaRPr>
           </a:p>
         </p:txBody>
       </p:sp>
@@ -2900,10 +3146,14 @@
           <a:p>
             <a:pPr algn="ctr"/>
             <a:r>
-              <a:rPr lang="ru-RU" dirty="0" smtClean="0"/>
+              <a:rPr lang="ru-RU" dirty="0" smtClean="0">
+                <a:latin typeface="Calibri" pitchFamily="34" charset="0"/>
+              </a:rPr>
               <a:t>Статические методы </a:t>
             </a:r>
-            <a:endParaRPr lang="en-US" dirty="0"/>
+            <a:endParaRPr lang="en-US" dirty="0">
+              <a:latin typeface="Calibri" pitchFamily="34" charset="0"/>
+            </a:endParaRPr>
           </a:p>
         </p:txBody>
       </p:sp>
@@ -2931,10 +3181,14 @@
           <a:p>
             <a:pPr algn="ctr"/>
             <a:r>
-              <a:rPr lang="ru-RU" dirty="0" smtClean="0"/>
+              <a:rPr lang="ru-RU" dirty="0" smtClean="0">
+                <a:latin typeface="Calibri" pitchFamily="34" charset="0"/>
+              </a:rPr>
               <a:t>Фабричные методы</a:t>
             </a:r>
-            <a:endParaRPr lang="en-US" dirty="0"/>
+            <a:endParaRPr lang="en-US" dirty="0">
+              <a:latin typeface="Calibri" pitchFamily="34" charset="0"/>
+            </a:endParaRPr>
           </a:p>
         </p:txBody>
       </p:sp>
@@ -2947,7 +3201,7 @@
         <p:spPr>
           <a:xfrm>
             <a:off x="4754880" y="1293376"/>
-            <a:ext cx="3931920" cy="4401205"/>
+            <a:ext cx="3931920" cy="4524315"/>
           </a:xfrm>
           <a:prstGeom prst="rect">
             <a:avLst/>
@@ -2962,35 +3216,37 @@
           <a:p>
             <a:pPr algn="just"/>
             <a:r>
-              <a:rPr lang="ru-RU" dirty="0" smtClean="0"/>
-              <a:t>«</a:t>
-            </a:r>
-            <a:r>
-              <a:rPr lang="ru-RU" sz="1400" dirty="0" smtClean="0"/>
-              <a:t>Фабричный метод» –метод, который служит для создания новых объектов</a:t>
-            </a:r>
-            <a:r>
-              <a:rPr lang="ru-RU" sz="1400" dirty="0" smtClean="0"/>
-              <a:t>.</a:t>
-            </a:r>
-            <a:r>
-              <a:rPr lang="en-US" sz="1400" dirty="0" smtClean="0"/>
+              <a:rPr lang="ru-RU" dirty="0" smtClean="0">
+                <a:latin typeface="Calibri" pitchFamily="34" charset="0"/>
+              </a:rPr>
+              <a:t>«Фабричный метод» –метод, который служит для создания новых объектов.</a:t>
+            </a:r>
+            <a:r>
+              <a:rPr lang="en-US" dirty="0" smtClean="0">
+                <a:latin typeface="Calibri" pitchFamily="34" charset="0"/>
+              </a:rPr>
               <a:t> </a:t>
             </a:r>
           </a:p>
           <a:p>
             <a:pPr algn="just"/>
             <a:r>
-              <a:rPr lang="ru-RU" sz="1400" dirty="0" smtClean="0"/>
+              <a:rPr lang="ru-RU" dirty="0" smtClean="0">
+                <a:latin typeface="Calibri" pitchFamily="34" charset="0"/>
+              </a:rPr>
               <a:t>Например</a:t>
             </a:r>
             <a:r>
-              <a:rPr lang="en-US" sz="1400" dirty="0" smtClean="0"/>
+              <a:rPr lang="en-US" sz="1400" dirty="0" smtClean="0">
+                <a:latin typeface="Calibri" pitchFamily="34" charset="0"/>
+              </a:rPr>
               <a:t>: </a:t>
             </a:r>
           </a:p>
           <a:p>
-            <a:endParaRPr lang="en-US" sz="1400" dirty="0" smtClean="0"/>
+            <a:endParaRPr lang="en-US" sz="1400" dirty="0" smtClean="0">
+              <a:latin typeface="Calibri" pitchFamily="34" charset="0"/>
+            </a:endParaRPr>
           </a:p>
           <a:p>
             <a:r>
@@ -3000,21 +3256,22 @@
                     <a:lumMod val="75000"/>
                   </a:schemeClr>
                 </a:solidFill>
+                <a:latin typeface="Calibri" pitchFamily="34" charset="0"/>
               </a:rPr>
               <a:t>function</a:t>
             </a:r>
             <a:r>
-              <a:rPr lang="en-US" sz="1200" dirty="0" smtClean="0"/>
-              <a:t> </a:t>
-            </a:r>
-            <a:r>
-              <a:rPr lang="en-US" sz="1200" dirty="0" smtClean="0"/>
-              <a:t>User(username) {</a:t>
-            </a:r>
-          </a:p>
-          <a:p>
-            <a:r>
-              <a:rPr lang="en-US" sz="1200" dirty="0" smtClean="0"/>
+              <a:rPr lang="en-US" sz="1200" dirty="0" smtClean="0">
+                <a:latin typeface="Calibri" pitchFamily="34" charset="0"/>
+              </a:rPr>
+              <a:t> User(username) {</a:t>
+            </a:r>
+          </a:p>
+          <a:p>
+            <a:r>
+              <a:rPr lang="en-US" sz="1200" dirty="0" smtClean="0">
+                <a:latin typeface="Calibri" pitchFamily="34" charset="0"/>
+              </a:rPr>
               <a:t>	</a:t>
             </a:r>
             <a:r>
@@ -3024,41 +3281,43 @@
                     <a:lumMod val="75000"/>
                   </a:schemeClr>
                 </a:solidFill>
+                <a:latin typeface="Calibri" pitchFamily="34" charset="0"/>
               </a:rPr>
               <a:t>this</a:t>
             </a:r>
             <a:r>
-              <a:rPr lang="en-US" sz="1200" dirty="0" err="1" smtClean="0"/>
+              <a:rPr lang="en-US" sz="1200" dirty="0" err="1" smtClean="0">
+                <a:latin typeface="Calibri" pitchFamily="34" charset="0"/>
+              </a:rPr>
               <a:t>.username</a:t>
             </a:r>
             <a:r>
-              <a:rPr lang="en-US" sz="1200" dirty="0" smtClean="0"/>
-              <a:t> </a:t>
-            </a:r>
-            <a:r>
-              <a:rPr lang="en-US" sz="1200" dirty="0" smtClean="0"/>
-              <a:t>= username</a:t>
-            </a:r>
-          </a:p>
-          <a:p>
-            <a:r>
-              <a:rPr lang="en-US" sz="1200" dirty="0" smtClean="0"/>
+              <a:rPr lang="en-US" sz="1200" dirty="0" smtClean="0">
+                <a:latin typeface="Calibri" pitchFamily="34" charset="0"/>
+              </a:rPr>
+              <a:t> = username</a:t>
+            </a:r>
+          </a:p>
+          <a:p>
+            <a:r>
+              <a:rPr lang="en-US" sz="1200" dirty="0" smtClean="0">
+                <a:latin typeface="Calibri" pitchFamily="34" charset="0"/>
+              </a:rPr>
               <a:t>} </a:t>
             </a:r>
-            <a:endParaRPr lang="en-US" sz="1200" dirty="0" smtClean="0"/>
-          </a:p>
-          <a:p>
-            <a:r>
-              <a:rPr lang="en-US" sz="1200" dirty="0" err="1" smtClean="0"/>
+          </a:p>
+          <a:p>
+            <a:r>
+              <a:rPr lang="en-US" sz="1200" dirty="0" err="1" smtClean="0">
+                <a:latin typeface="Calibri" pitchFamily="34" charset="0"/>
+              </a:rPr>
               <a:t>User.createRegular</a:t>
             </a:r>
             <a:r>
-              <a:rPr lang="en-US" sz="1200" dirty="0" smtClean="0"/>
-              <a:t> </a:t>
-            </a:r>
-            <a:r>
-              <a:rPr lang="en-US" sz="1200" dirty="0" smtClean="0"/>
-              <a:t>=</a:t>
+              <a:rPr lang="en-US" sz="1200" dirty="0" smtClean="0">
+                <a:latin typeface="Calibri" pitchFamily="34" charset="0"/>
+              </a:rPr>
+              <a:t> =</a:t>
             </a:r>
             <a:r>
               <a:rPr lang="en-US" sz="1200" dirty="0" smtClean="0">
@@ -3067,17 +3326,22 @@
                     <a:lumMod val="75000"/>
                   </a:schemeClr>
                 </a:solidFill>
+                <a:latin typeface="Calibri" pitchFamily="34" charset="0"/>
               </a:rPr>
               <a:t> function</a:t>
             </a:r>
             <a:r>
-              <a:rPr lang="en-US" sz="1200" dirty="0" smtClean="0"/>
+              <a:rPr lang="en-US" sz="1200" dirty="0" smtClean="0">
+                <a:latin typeface="Calibri" pitchFamily="34" charset="0"/>
+              </a:rPr>
               <a:t>() {</a:t>
             </a:r>
           </a:p>
           <a:p>
             <a:r>
-              <a:rPr lang="en-US" sz="1200" dirty="0" smtClean="0"/>
+              <a:rPr lang="en-US" sz="1200" dirty="0" smtClean="0">
+                <a:latin typeface="Calibri" pitchFamily="34" charset="0"/>
+              </a:rPr>
               <a:t>	</a:t>
             </a:r>
             <a:r>
@@ -3087,16 +3351,15 @@
                     <a:lumMod val="75000"/>
                   </a:schemeClr>
                 </a:solidFill>
+                <a:latin typeface="Calibri" pitchFamily="34" charset="0"/>
               </a:rPr>
               <a:t>var</a:t>
             </a:r>
             <a:r>
-              <a:rPr lang="en-US" sz="1200" dirty="0" smtClean="0"/>
-              <a:t> </a:t>
-            </a:r>
-            <a:r>
-              <a:rPr lang="en-US" sz="1200" dirty="0" smtClean="0"/>
-              <a:t>user = </a:t>
+              <a:rPr lang="en-US" sz="1200" dirty="0" smtClean="0">
+                <a:latin typeface="Calibri" pitchFamily="34" charset="0"/>
+              </a:rPr>
+              <a:t> user = </a:t>
             </a:r>
             <a:r>
               <a:rPr lang="en-US" sz="1200" dirty="0" smtClean="0">
@@ -3105,38 +3368,47 @@
                     <a:lumMod val="75000"/>
                   </a:schemeClr>
                 </a:solidFill>
+                <a:latin typeface="Calibri" pitchFamily="34" charset="0"/>
               </a:rPr>
               <a:t>new</a:t>
             </a:r>
             <a:r>
-              <a:rPr lang="en-US" sz="1200" dirty="0" smtClean="0"/>
+              <a:rPr lang="en-US" sz="1200" dirty="0" smtClean="0">
+                <a:latin typeface="Calibri" pitchFamily="34" charset="0"/>
+              </a:rPr>
               <a:t> User('</a:t>
             </a:r>
             <a:r>
-              <a:rPr lang="uk-UA" sz="1200" dirty="0" err="1" smtClean="0"/>
+              <a:rPr lang="uk-UA" sz="1200" dirty="0" err="1" smtClean="0">
+                <a:latin typeface="Calibri" pitchFamily="34" charset="0"/>
+              </a:rPr>
               <a:t>Вася'</a:t>
             </a:r>
             <a:r>
-              <a:rPr lang="uk-UA" sz="1200" dirty="0" smtClean="0"/>
+              <a:rPr lang="uk-UA" sz="1200" dirty="0" smtClean="0">
+                <a:latin typeface="Calibri" pitchFamily="34" charset="0"/>
+              </a:rPr>
               <a:t>); </a:t>
             </a:r>
           </a:p>
           <a:p>
             <a:r>
-              <a:rPr lang="uk-UA" sz="1200" dirty="0" smtClean="0"/>
+              <a:rPr lang="uk-UA" sz="1200" dirty="0" smtClean="0">
+                <a:latin typeface="Calibri" pitchFamily="34" charset="0"/>
+              </a:rPr>
               <a:t>	</a:t>
             </a:r>
             <a:r>
-              <a:rPr lang="en-US" sz="1200" dirty="0" err="1" smtClean="0"/>
+              <a:rPr lang="en-US" sz="1200" dirty="0" err="1" smtClean="0">
+                <a:latin typeface="Calibri" pitchFamily="34" charset="0"/>
+              </a:rPr>
               <a:t>user.isAdmin</a:t>
             </a:r>
             <a:r>
-              <a:rPr lang="en-US" sz="1200" dirty="0" smtClean="0"/>
-              <a:t> </a:t>
-            </a:r>
-            <a:r>
-              <a:rPr lang="en-US" sz="1200" dirty="0" smtClean="0"/>
-              <a:t>= </a:t>
+              <a:rPr lang="en-US" sz="1200" dirty="0" smtClean="0">
+                <a:latin typeface="Calibri" pitchFamily="34" charset="0"/>
+              </a:rPr>
+              <a:t> = </a:t>
             </a:r>
             <a:r>
               <a:rPr lang="en-US" sz="1200" dirty="0" smtClean="0">
@@ -3145,17 +3417,22 @@
                     <a:lumMod val="75000"/>
                   </a:schemeClr>
                 </a:solidFill>
+                <a:latin typeface="Calibri" pitchFamily="34" charset="0"/>
               </a:rPr>
               <a:t>false</a:t>
             </a:r>
             <a:r>
-              <a:rPr lang="en-US" sz="1200" dirty="0" smtClean="0"/>
+              <a:rPr lang="en-US" sz="1200" dirty="0" smtClean="0">
+                <a:latin typeface="Calibri" pitchFamily="34" charset="0"/>
+              </a:rPr>
               <a:t>; </a:t>
             </a:r>
           </a:p>
           <a:p>
             <a:r>
-              <a:rPr lang="en-US" sz="1200" dirty="0" smtClean="0"/>
+              <a:rPr lang="en-US" sz="1200" dirty="0" smtClean="0">
+                <a:latin typeface="Calibri" pitchFamily="34" charset="0"/>
+              </a:rPr>
               <a:t>	</a:t>
             </a:r>
             <a:r>
@@ -3165,36 +3442,40 @@
                     <a:lumMod val="75000"/>
                   </a:schemeClr>
                 </a:solidFill>
+                <a:latin typeface="Calibri" pitchFamily="34" charset="0"/>
               </a:rPr>
               <a:t>return</a:t>
             </a:r>
             <a:r>
-              <a:rPr lang="en-US" sz="1200" dirty="0" smtClean="0"/>
-              <a:t> </a:t>
-            </a:r>
-            <a:r>
-              <a:rPr lang="en-US" sz="1200" dirty="0" smtClean="0"/>
-              <a:t>user; </a:t>
-            </a:r>
-          </a:p>
-          <a:p>
-            <a:r>
-              <a:rPr lang="en-US" sz="1200" dirty="0" smtClean="0"/>
-              <a:t>	} </a:t>
-            </a:r>
-          </a:p>
-          <a:p>
-            <a:r>
-              <a:rPr lang="en-US" sz="1200" dirty="0" err="1" smtClean="0"/>
+              <a:rPr lang="en-US" sz="1200" dirty="0" smtClean="0">
+                <a:latin typeface="Calibri" pitchFamily="34" charset="0"/>
+              </a:rPr>
+              <a:t> user; </a:t>
+            </a:r>
+          </a:p>
+          <a:p>
+            <a:r>
+              <a:rPr lang="en-US" sz="1200" dirty="0" smtClean="0">
+                <a:latin typeface="Calibri" pitchFamily="34" charset="0"/>
+              </a:rPr>
+              <a:t>} </a:t>
+            </a:r>
+            <a:endParaRPr lang="en-US" sz="1200" dirty="0" smtClean="0">
+              <a:latin typeface="Calibri" pitchFamily="34" charset="0"/>
+            </a:endParaRPr>
+          </a:p>
+          <a:p>
+            <a:r>
+              <a:rPr lang="en-US" sz="1200" dirty="0" err="1" smtClean="0">
+                <a:latin typeface="Calibri" pitchFamily="34" charset="0"/>
+              </a:rPr>
               <a:t>User.createAdmin</a:t>
             </a:r>
             <a:r>
-              <a:rPr lang="en-US" sz="1200" dirty="0" smtClean="0"/>
-              <a:t> </a:t>
-            </a:r>
-            <a:r>
-              <a:rPr lang="en-US" sz="1200" dirty="0" smtClean="0"/>
-              <a:t>= </a:t>
+              <a:rPr lang="en-US" sz="1200" dirty="0" smtClean="0">
+                <a:latin typeface="Calibri" pitchFamily="34" charset="0"/>
+              </a:rPr>
+              <a:t> = </a:t>
             </a:r>
             <a:r>
               <a:rPr lang="en-US" sz="1200" dirty="0" smtClean="0">
@@ -3203,17 +3484,22 @@
                     <a:lumMod val="75000"/>
                   </a:schemeClr>
                 </a:solidFill>
+                <a:latin typeface="Calibri" pitchFamily="34" charset="0"/>
               </a:rPr>
               <a:t>function</a:t>
             </a:r>
             <a:r>
-              <a:rPr lang="en-US" sz="1200" dirty="0" smtClean="0"/>
+              <a:rPr lang="en-US" sz="1200" dirty="0" smtClean="0">
+                <a:latin typeface="Calibri" pitchFamily="34" charset="0"/>
+              </a:rPr>
               <a:t>() {</a:t>
             </a:r>
           </a:p>
           <a:p>
             <a:r>
-              <a:rPr lang="en-US" sz="1200" dirty="0" smtClean="0"/>
+              <a:rPr lang="en-US" sz="1200" dirty="0" smtClean="0">
+                <a:latin typeface="Calibri" pitchFamily="34" charset="0"/>
+              </a:rPr>
               <a:t>	</a:t>
             </a:r>
             <a:r>
@@ -3223,16 +3509,15 @@
                     <a:lumMod val="75000"/>
                   </a:schemeClr>
                 </a:solidFill>
+                <a:latin typeface="Calibri" pitchFamily="34" charset="0"/>
               </a:rPr>
               <a:t>var</a:t>
             </a:r>
             <a:r>
-              <a:rPr lang="en-US" sz="1200" dirty="0" smtClean="0"/>
-              <a:t> </a:t>
-            </a:r>
-            <a:r>
-              <a:rPr lang="en-US" sz="1200" dirty="0" smtClean="0"/>
-              <a:t>user = </a:t>
+              <a:rPr lang="en-US" sz="1200" dirty="0" smtClean="0">
+                <a:latin typeface="Calibri" pitchFamily="34" charset="0"/>
+              </a:rPr>
+              <a:t> user = </a:t>
             </a:r>
             <a:r>
               <a:rPr lang="en-US" sz="1200" dirty="0" smtClean="0">
@@ -3241,38 +3526,47 @@
                     <a:lumMod val="75000"/>
                   </a:schemeClr>
                 </a:solidFill>
+                <a:latin typeface="Calibri" pitchFamily="34" charset="0"/>
               </a:rPr>
               <a:t>new</a:t>
             </a:r>
             <a:r>
-              <a:rPr lang="en-US" sz="1200" dirty="0" smtClean="0"/>
+              <a:rPr lang="en-US" sz="1200" dirty="0" smtClean="0">
+                <a:latin typeface="Calibri" pitchFamily="34" charset="0"/>
+              </a:rPr>
               <a:t> User('</a:t>
             </a:r>
             <a:r>
-              <a:rPr lang="uk-UA" sz="1200" dirty="0" err="1" smtClean="0"/>
+              <a:rPr lang="uk-UA" sz="1200" dirty="0" err="1" smtClean="0">
+                <a:latin typeface="Calibri" pitchFamily="34" charset="0"/>
+              </a:rPr>
               <a:t>Петя'</a:t>
             </a:r>
             <a:r>
-              <a:rPr lang="uk-UA" sz="1200" dirty="0" smtClean="0"/>
+              <a:rPr lang="uk-UA" sz="1200" dirty="0" smtClean="0">
+                <a:latin typeface="Calibri" pitchFamily="34" charset="0"/>
+              </a:rPr>
               <a:t>); </a:t>
             </a:r>
           </a:p>
           <a:p>
             <a:r>
-              <a:rPr lang="uk-UA" sz="1200" dirty="0" smtClean="0"/>
+              <a:rPr lang="uk-UA" sz="1200" dirty="0" smtClean="0">
+                <a:latin typeface="Calibri" pitchFamily="34" charset="0"/>
+              </a:rPr>
               <a:t>	</a:t>
             </a:r>
             <a:r>
-              <a:rPr lang="en-US" sz="1200" dirty="0" err="1" smtClean="0"/>
+              <a:rPr lang="en-US" sz="1200" dirty="0" err="1" smtClean="0">
+                <a:latin typeface="Calibri" pitchFamily="34" charset="0"/>
+              </a:rPr>
               <a:t>user.isAdmin</a:t>
             </a:r>
             <a:r>
-              <a:rPr lang="en-US" sz="1200" dirty="0" smtClean="0"/>
-              <a:t> </a:t>
-            </a:r>
-            <a:r>
-              <a:rPr lang="en-US" sz="1200" dirty="0" smtClean="0"/>
-              <a:t>= </a:t>
+              <a:rPr lang="en-US" sz="1200" dirty="0" smtClean="0">
+                <a:latin typeface="Calibri" pitchFamily="34" charset="0"/>
+              </a:rPr>
+              <a:t> = </a:t>
             </a:r>
             <a:r>
               <a:rPr lang="en-US" sz="1200" dirty="0" smtClean="0">
@@ -3281,17 +3575,22 @@
                     <a:lumMod val="75000"/>
                   </a:schemeClr>
                 </a:solidFill>
+                <a:latin typeface="Calibri" pitchFamily="34" charset="0"/>
               </a:rPr>
               <a:t>true</a:t>
             </a:r>
             <a:r>
-              <a:rPr lang="en-US" sz="1200" dirty="0" smtClean="0"/>
+              <a:rPr lang="en-US" sz="1200" dirty="0" smtClean="0">
+                <a:latin typeface="Calibri" pitchFamily="34" charset="0"/>
+              </a:rPr>
               <a:t>; </a:t>
             </a:r>
           </a:p>
           <a:p>
             <a:r>
-              <a:rPr lang="en-US" sz="1200" dirty="0" smtClean="0"/>
+              <a:rPr lang="en-US" sz="1200" dirty="0" smtClean="0">
+                <a:latin typeface="Calibri" pitchFamily="34" charset="0"/>
+              </a:rPr>
               <a:t>	</a:t>
             </a:r>
             <a:r>
@@ -3301,43 +3600,53 @@
                     <a:lumMod val="75000"/>
                   </a:schemeClr>
                 </a:solidFill>
+                <a:latin typeface="Calibri" pitchFamily="34" charset="0"/>
               </a:rPr>
               <a:t>return</a:t>
             </a:r>
             <a:r>
-              <a:rPr lang="en-US" sz="1200" dirty="0" smtClean="0"/>
+              <a:rPr lang="en-US" sz="1200" dirty="0" smtClean="0">
+                <a:latin typeface="Calibri" pitchFamily="34" charset="0"/>
+              </a:rPr>
+              <a:t> user; </a:t>
+            </a:r>
+          </a:p>
+          <a:p>
+            <a:r>
+              <a:rPr lang="en-US" sz="1200" dirty="0" smtClean="0">
+                <a:latin typeface="Calibri" pitchFamily="34" charset="0"/>
+              </a:rPr>
+              <a:t>}</a:t>
+            </a:r>
+            <a:endParaRPr lang="en-US" sz="1200" dirty="0" smtClean="0">
+              <a:latin typeface="Calibri" pitchFamily="34" charset="0"/>
+            </a:endParaRPr>
+          </a:p>
+          <a:p>
+            <a:pPr algn="just"/>
+            <a:endParaRPr lang="en-US" sz="1400" dirty="0" smtClean="0">
+              <a:latin typeface="Calibri" pitchFamily="34" charset="0"/>
+            </a:endParaRPr>
+          </a:p>
+          <a:p>
+            <a:pPr algn="just"/>
+            <a:r>
+              <a:rPr lang="ru-RU" sz="1400" dirty="0" smtClean="0">
+                <a:latin typeface="Calibri" pitchFamily="34" charset="0"/>
+              </a:rPr>
               <a:t> </a:t>
             </a:r>
-            <a:r>
-              <a:rPr lang="en-US" sz="1200" dirty="0" smtClean="0"/>
-              <a:t>user; </a:t>
-            </a:r>
-          </a:p>
-          <a:p>
-            <a:r>
-              <a:rPr lang="en-US" sz="1200" dirty="0" smtClean="0"/>
-              <a:t>	}</a:t>
-            </a:r>
-            <a:endParaRPr lang="en-US" sz="1200" dirty="0" smtClean="0"/>
           </a:p>
           <a:p>
             <a:pPr algn="just"/>
-            <a:endParaRPr lang="en-US" sz="1400" dirty="0" smtClean="0"/>
-          </a:p>
-          <a:p>
-            <a:pPr algn="just"/>
-            <a:r>
-              <a:rPr lang="ru-RU" sz="1400" dirty="0" smtClean="0"/>
-              <a:t> </a:t>
-            </a:r>
-            <a:endParaRPr lang="ru-RU" sz="1400" dirty="0" smtClean="0"/>
-          </a:p>
-          <a:p>
-            <a:pPr algn="just"/>
-            <a:endParaRPr lang="ru-RU" dirty="0" smtClean="0"/>
-          </a:p>
-          <a:p>
-            <a:endParaRPr lang="en-US" dirty="0"/>
+            <a:endParaRPr lang="ru-RU" dirty="0" smtClean="0">
+              <a:latin typeface="Calibri" pitchFamily="34" charset="0"/>
+            </a:endParaRPr>
+          </a:p>
+          <a:p>
+            <a:endParaRPr lang="en-US" dirty="0">
+              <a:latin typeface="Calibri" pitchFamily="34" charset="0"/>
+            </a:endParaRPr>
           </a:p>
         </p:txBody>
       </p:sp>
@@ -3350,7 +3659,7 @@
         <p:spPr>
           <a:xfrm>
             <a:off x="365760" y="1478042"/>
-            <a:ext cx="3749040" cy="2031325"/>
+            <a:ext cx="3749040" cy="2862322"/>
           </a:xfrm>
           <a:prstGeom prst="rect">
             <a:avLst/>
@@ -3365,58 +3674,78 @@
           <a:p>
             <a:pPr algn="just"/>
             <a:r>
-              <a:rPr lang="ru-RU" sz="1400" dirty="0" smtClean="0"/>
+              <a:rPr lang="ru-RU" dirty="0" smtClean="0">
+                <a:latin typeface="Calibri" pitchFamily="34" charset="0"/>
+              </a:rPr>
               <a:t>Методы и свойства, которые не привязаны к конкретному экземпляру объекта, называют «статическими». Их записывают прямо в саму </a:t>
             </a:r>
             <a:r>
-              <a:rPr lang="ru-RU" sz="1400" dirty="0" err="1" smtClean="0"/>
+              <a:rPr lang="ru-RU" dirty="0" err="1" smtClean="0">
+                <a:latin typeface="Calibri" pitchFamily="34" charset="0"/>
+              </a:rPr>
               <a:t>функцию-конструктор</a:t>
             </a:r>
             <a:r>
-              <a:rPr lang="ru-RU" sz="1400" dirty="0" smtClean="0"/>
+              <a:rPr lang="ru-RU" dirty="0" smtClean="0">
+                <a:latin typeface="Calibri" pitchFamily="34" charset="0"/>
+              </a:rPr>
               <a:t>. Например</a:t>
             </a:r>
             <a:r>
-              <a:rPr lang="en-US" sz="1400" dirty="0" smtClean="0"/>
+              <a:rPr lang="en-US" dirty="0" smtClean="0">
+                <a:latin typeface="Calibri" pitchFamily="34" charset="0"/>
+              </a:rPr>
               <a:t>: </a:t>
             </a:r>
           </a:p>
           <a:p>
             <a:pPr algn="just"/>
-            <a:endParaRPr lang="en-US" sz="1400" dirty="0" smtClean="0"/>
+            <a:endParaRPr lang="en-US" dirty="0" smtClean="0">
+              <a:latin typeface="Calibri" pitchFamily="34" charset="0"/>
+            </a:endParaRPr>
           </a:p>
           <a:p>
             <a:pPr algn="just"/>
             <a:r>
-              <a:rPr lang="en-US" sz="1400" dirty="0" smtClean="0"/>
+              <a:rPr lang="en-US" dirty="0" smtClean="0">
+                <a:latin typeface="Calibri" pitchFamily="34" charset="0"/>
+              </a:rPr>
               <a:t>function Article() { </a:t>
             </a:r>
           </a:p>
           <a:p>
             <a:pPr algn="just"/>
             <a:r>
-              <a:rPr lang="en-US" sz="1400" dirty="0" err="1" smtClean="0"/>
+              <a:rPr lang="en-US" dirty="0" err="1" smtClean="0">
+                <a:latin typeface="Calibri" pitchFamily="34" charset="0"/>
+              </a:rPr>
               <a:t>Article.count</a:t>
             </a:r>
             <a:r>
-              <a:rPr lang="en-US" sz="1400" dirty="0" smtClean="0"/>
+              <a:rPr lang="en-US" dirty="0" smtClean="0">
+                <a:latin typeface="Calibri" pitchFamily="34" charset="0"/>
+              </a:rPr>
               <a:t>++; //...</a:t>
             </a:r>
           </a:p>
           <a:p>
             <a:pPr algn="just"/>
             <a:r>
-              <a:rPr lang="en-US" sz="1400" dirty="0" smtClean="0"/>
+              <a:rPr lang="en-US" dirty="0" smtClean="0">
+                <a:latin typeface="Calibri" pitchFamily="34" charset="0"/>
+              </a:rPr>
               <a:t> }</a:t>
             </a:r>
-            <a:endParaRPr lang="en-US" sz="1400" dirty="0"/>
+            <a:endParaRPr lang="en-US" dirty="0">
+              <a:latin typeface="Calibri" pitchFamily="34" charset="0"/>
+            </a:endParaRPr>
           </a:p>
         </p:txBody>
       </p:sp>
     </p:spTree>
     <p:extLst>
       <p:ext uri="{BB962C8B-B14F-4D97-AF65-F5344CB8AC3E}">
-        <p14:creationId xmlns="" xmlns:p14="http://schemas.microsoft.com/office/powerpoint/2010/main" val="384071384"/>
+        <p14:creationId xmlns:p14="http://schemas.microsoft.com/office/powerpoint/2010/main" xmlns="" val="384071384"/>
       </p:ext>
     </p:extLst>
   </p:cSld>
